--- a/Interview-Preperation/Interview-Preperation/Interview preperation.pptx
+++ b/Interview-Preperation/Interview-Preperation/Interview preperation.pptx
@@ -5,22 +5,23 @@
     <p:sldMasterId id="2147483648" r:id="rId1"/>
   </p:sldMasterIdLst>
   <p:notesMasterIdLst>
-    <p:notesMasterId r:id="rId15"/>
+    <p:notesMasterId r:id="rId16"/>
   </p:notesMasterIdLst>
   <p:sldIdLst>
     <p:sldId id="256" r:id="rId2"/>
-    <p:sldId id="257" r:id="rId3"/>
-    <p:sldId id="258" r:id="rId4"/>
-    <p:sldId id="259" r:id="rId5"/>
-    <p:sldId id="260" r:id="rId6"/>
-    <p:sldId id="261" r:id="rId7"/>
-    <p:sldId id="262" r:id="rId8"/>
-    <p:sldId id="263" r:id="rId9"/>
-    <p:sldId id="264" r:id="rId10"/>
-    <p:sldId id="266" r:id="rId11"/>
-    <p:sldId id="265" r:id="rId12"/>
-    <p:sldId id="268" r:id="rId13"/>
-    <p:sldId id="267" r:id="rId14"/>
+    <p:sldId id="269" r:id="rId3"/>
+    <p:sldId id="257" r:id="rId4"/>
+    <p:sldId id="258" r:id="rId5"/>
+    <p:sldId id="259" r:id="rId6"/>
+    <p:sldId id="260" r:id="rId7"/>
+    <p:sldId id="261" r:id="rId8"/>
+    <p:sldId id="262" r:id="rId9"/>
+    <p:sldId id="263" r:id="rId10"/>
+    <p:sldId id="264" r:id="rId11"/>
+    <p:sldId id="266" r:id="rId12"/>
+    <p:sldId id="265" r:id="rId13"/>
+    <p:sldId id="268" r:id="rId14"/>
+    <p:sldId id="267" r:id="rId15"/>
   </p:sldIdLst>
   <p:sldSz cx="12192000" cy="6858000"/>
   <p:notesSz cx="6858000" cy="9144000"/>
@@ -209,7 +210,7 @@
           <a:p>
             <a:fld id="{430FD903-EEE7-48F4-9900-C7048D5A8120}" type="datetimeFigureOut">
               <a:rPr lang="en-IN" smtClean="0"/>
-              <a:t>12-08-2025</a:t>
+              <a:t>15-10-2025</a:t>
             </a:fld>
             <a:endParaRPr lang="en-IN"/>
           </a:p>
@@ -482,7 +483,13 @@
   <p:cSld>
     <p:spTree>
       <p:nvGrpSpPr>
-        <p:cNvPr id="1" name=""/>
+        <p:cNvPr id="1" name="">
+          <a:extLst>
+            <a:ext uri="{FF2B5EF4-FFF2-40B4-BE49-F238E27FC236}">
+              <a16:creationId xmlns:a16="http://schemas.microsoft.com/office/drawing/2014/main" id="{477F355C-779D-4157-AE15-1E69E5283A45}"/>
+            </a:ext>
+          </a:extLst>
+        </p:cNvPr>
         <p:cNvGrpSpPr/>
         <p:nvPr/>
       </p:nvGrpSpPr>
@@ -496,7 +503,13 @@
       </p:grpSpPr>
       <p:sp>
         <p:nvSpPr>
-          <p:cNvPr id="2" name="Slide Image Placeholder 1"/>
+          <p:cNvPr id="2" name="Slide Image Placeholder 1">
+            <a:extLst>
+              <a:ext uri="{FF2B5EF4-FFF2-40B4-BE49-F238E27FC236}">
+                <a16:creationId xmlns:a16="http://schemas.microsoft.com/office/drawing/2014/main" id="{4A4802C4-A989-1825-8B00-072B21194DCB}"/>
+              </a:ext>
+            </a:extLst>
+          </p:cNvPr>
           <p:cNvSpPr>
             <a:spLocks noGrp="1" noRot="1" noChangeAspect="1"/>
           </p:cNvSpPr>
@@ -508,7 +521,13 @@
       </p:sp>
       <p:sp>
         <p:nvSpPr>
-          <p:cNvPr id="3" name="Notes Placeholder 2"/>
+          <p:cNvPr id="3" name="Notes Placeholder 2">
+            <a:extLst>
+              <a:ext uri="{FF2B5EF4-FFF2-40B4-BE49-F238E27FC236}">
+                <a16:creationId xmlns:a16="http://schemas.microsoft.com/office/drawing/2014/main" id="{9FB47160-96E5-717C-5226-CC2A58B5B463}"/>
+              </a:ext>
+            </a:extLst>
+          </p:cNvPr>
           <p:cNvSpPr>
             <a:spLocks noGrp="1"/>
           </p:cNvSpPr>
@@ -527,7 +546,13 @@
       </p:sp>
       <p:sp>
         <p:nvSpPr>
-          <p:cNvPr id="4" name="Slide Number Placeholder 3"/>
+          <p:cNvPr id="4" name="Slide Number Placeholder 3">
+            <a:extLst>
+              <a:ext uri="{FF2B5EF4-FFF2-40B4-BE49-F238E27FC236}">
+                <a16:creationId xmlns:a16="http://schemas.microsoft.com/office/drawing/2014/main" id="{ABF9E5DB-FB9A-BA6A-2073-6F30BD433DBA}"/>
+              </a:ext>
+            </a:extLst>
+          </p:cNvPr>
           <p:cNvSpPr>
             <a:spLocks noGrp="1"/>
           </p:cNvSpPr>
@@ -551,7 +576,7 @@
     </p:spTree>
     <p:extLst>
       <p:ext uri="{BB962C8B-B14F-4D97-AF65-F5344CB8AC3E}">
-        <p14:creationId xmlns:p14="http://schemas.microsoft.com/office/powerpoint/2010/main" val="145861082"/>
+        <p14:creationId xmlns:p14="http://schemas.microsoft.com/office/powerpoint/2010/main" val="2219453620"/>
       </p:ext>
     </p:extLst>
   </p:cSld>
@@ -562,6 +587,114 @@
 </file>
 
 <file path=ppt/notesSlides/notesSlide10.xml><?xml version="1.0" encoding="utf-8"?>
+<p:notes xmlns:a="http://schemas.openxmlformats.org/drawingml/2006/main" xmlns:r="http://schemas.openxmlformats.org/officeDocument/2006/relationships" xmlns:p="http://schemas.openxmlformats.org/presentationml/2006/main">
+  <p:cSld>
+    <p:spTree>
+      <p:nvGrpSpPr>
+        <p:cNvPr id="1" name="">
+          <a:extLst>
+            <a:ext uri="{FF2B5EF4-FFF2-40B4-BE49-F238E27FC236}">
+              <a16:creationId xmlns:a16="http://schemas.microsoft.com/office/drawing/2014/main" id="{0861DC77-1ACF-F47D-5E12-461A8B78A2F0}"/>
+            </a:ext>
+          </a:extLst>
+        </p:cNvPr>
+        <p:cNvGrpSpPr/>
+        <p:nvPr/>
+      </p:nvGrpSpPr>
+      <p:grpSpPr>
+        <a:xfrm>
+          <a:off x="0" y="0"/>
+          <a:ext cx="0" cy="0"/>
+          <a:chOff x="0" y="0"/>
+          <a:chExt cx="0" cy="0"/>
+        </a:xfrm>
+      </p:grpSpPr>
+      <p:sp>
+        <p:nvSpPr>
+          <p:cNvPr id="2" name="Slide Image Placeholder 1">
+            <a:extLst>
+              <a:ext uri="{FF2B5EF4-FFF2-40B4-BE49-F238E27FC236}">
+                <a16:creationId xmlns:a16="http://schemas.microsoft.com/office/drawing/2014/main" id="{20DAB3D4-11FD-63C9-72E5-28A686C247DD}"/>
+              </a:ext>
+            </a:extLst>
+          </p:cNvPr>
+          <p:cNvSpPr>
+            <a:spLocks noGrp="1" noRot="1" noChangeAspect="1"/>
+          </p:cNvSpPr>
+          <p:nvPr>
+            <p:ph type="sldImg"/>
+          </p:nvPr>
+        </p:nvSpPr>
+        <p:spPr/>
+      </p:sp>
+      <p:sp>
+        <p:nvSpPr>
+          <p:cNvPr id="3" name="Notes Placeholder 2">
+            <a:extLst>
+              <a:ext uri="{FF2B5EF4-FFF2-40B4-BE49-F238E27FC236}">
+                <a16:creationId xmlns:a16="http://schemas.microsoft.com/office/drawing/2014/main" id="{BF712E77-1914-B33B-C64D-D4F79063A502}"/>
+              </a:ext>
+            </a:extLst>
+          </p:cNvPr>
+          <p:cNvSpPr>
+            <a:spLocks noGrp="1"/>
+          </p:cNvSpPr>
+          <p:nvPr>
+            <p:ph type="body" idx="1"/>
+          </p:nvPr>
+        </p:nvSpPr>
+        <p:spPr/>
+        <p:txBody>
+          <a:bodyPr/>
+          <a:lstStyle/>
+          <a:p>
+            <a:endParaRPr lang="en-IN" dirty="0"/>
+          </a:p>
+        </p:txBody>
+      </p:sp>
+      <p:sp>
+        <p:nvSpPr>
+          <p:cNvPr id="4" name="Slide Number Placeholder 3">
+            <a:extLst>
+              <a:ext uri="{FF2B5EF4-FFF2-40B4-BE49-F238E27FC236}">
+                <a16:creationId xmlns:a16="http://schemas.microsoft.com/office/drawing/2014/main" id="{B001F123-724A-CAC8-6444-BAB1F00F75B7}"/>
+              </a:ext>
+            </a:extLst>
+          </p:cNvPr>
+          <p:cNvSpPr>
+            <a:spLocks noGrp="1"/>
+          </p:cNvSpPr>
+          <p:nvPr>
+            <p:ph type="sldNum" sz="quarter" idx="5"/>
+          </p:nvPr>
+        </p:nvSpPr>
+        <p:spPr/>
+        <p:txBody>
+          <a:bodyPr/>
+          <a:lstStyle/>
+          <a:p>
+            <a:fld id="{BDC24E1C-98C9-4A5C-B977-37CA2174AF02}" type="slidenum">
+              <a:rPr lang="en-IN" smtClean="0"/>
+              <a:t>12</a:t>
+            </a:fld>
+            <a:endParaRPr lang="en-IN"/>
+          </a:p>
+        </p:txBody>
+      </p:sp>
+    </p:spTree>
+    <p:extLst>
+      <p:ext uri="{BB962C8B-B14F-4D97-AF65-F5344CB8AC3E}">
+        <p14:creationId xmlns:p14="http://schemas.microsoft.com/office/powerpoint/2010/main" val="627509115"/>
+      </p:ext>
+    </p:extLst>
+  </p:cSld>
+  <p:clrMapOvr>
+    <a:masterClrMapping/>
+  </p:clrMapOvr>
+</p:notes>
+</file>
+
+<file path=ppt/notesSlides/notesSlide11.xml><?xml version="1.0" encoding="utf-8"?>
 <p:notes xmlns:a="http://schemas.openxmlformats.org/drawingml/2006/main" xmlns:r="http://schemas.openxmlformats.org/officeDocument/2006/relationships" xmlns:p="http://schemas.openxmlformats.org/presentationml/2006/main">
   <p:cSld>
     <p:spTree>
@@ -650,7 +783,7 @@
           <a:p>
             <a:fld id="{BDC24E1C-98C9-4A5C-B977-37CA2174AF02}" type="slidenum">
               <a:rPr lang="en-IN" smtClean="0"/>
-              <a:t>12</a:t>
+              <a:t>13</a:t>
             </a:fld>
             <a:endParaRPr lang="en-IN"/>
           </a:p>
@@ -669,7 +802,7 @@
 </p:notes>
 </file>
 
-<file path=ppt/notesSlides/notesSlide11.xml><?xml version="1.0" encoding="utf-8"?>
+<file path=ppt/notesSlides/notesSlide12.xml><?xml version="1.0" encoding="utf-8"?>
 <p:notes xmlns:a="http://schemas.openxmlformats.org/drawingml/2006/main" xmlns:r="http://schemas.openxmlformats.org/officeDocument/2006/relationships" xmlns:p="http://schemas.openxmlformats.org/presentationml/2006/main">
   <p:cSld>
     <p:spTree>
@@ -758,7 +891,7 @@
           <a:p>
             <a:fld id="{BDC24E1C-98C9-4A5C-B977-37CA2174AF02}" type="slidenum">
               <a:rPr lang="en-IN" smtClean="0"/>
-              <a:t>13</a:t>
+              <a:t>14</a:t>
             </a:fld>
             <a:endParaRPr lang="en-IN"/>
           </a:p>
@@ -842,7 +975,7 @@
           <a:p>
             <a:fld id="{BDC24E1C-98C9-4A5C-B977-37CA2174AF02}" type="slidenum">
               <a:rPr lang="en-IN" smtClean="0"/>
-              <a:t>4</a:t>
+              <a:t>3</a:t>
             </a:fld>
             <a:endParaRPr lang="en-IN"/>
           </a:p>
@@ -851,7 +984,7 @@
     </p:spTree>
     <p:extLst>
       <p:ext uri="{BB962C8B-B14F-4D97-AF65-F5344CB8AC3E}">
-        <p14:creationId xmlns:p14="http://schemas.microsoft.com/office/powerpoint/2010/main" val="16940921"/>
+        <p14:creationId xmlns:p14="http://schemas.microsoft.com/office/powerpoint/2010/main" val="145861082"/>
       </p:ext>
     </p:extLst>
   </p:cSld>
@@ -935,6 +1068,90 @@
     </p:spTree>
     <p:extLst>
       <p:ext uri="{BB962C8B-B14F-4D97-AF65-F5344CB8AC3E}">
+        <p14:creationId xmlns:p14="http://schemas.microsoft.com/office/powerpoint/2010/main" val="16940921"/>
+      </p:ext>
+    </p:extLst>
+  </p:cSld>
+  <p:clrMapOvr>
+    <a:masterClrMapping/>
+  </p:clrMapOvr>
+</p:notes>
+</file>
+
+<file path=ppt/notesSlides/notesSlide4.xml><?xml version="1.0" encoding="utf-8"?>
+<p:notes xmlns:a="http://schemas.openxmlformats.org/drawingml/2006/main" xmlns:r="http://schemas.openxmlformats.org/officeDocument/2006/relationships" xmlns:p="http://schemas.openxmlformats.org/presentationml/2006/main">
+  <p:cSld>
+    <p:spTree>
+      <p:nvGrpSpPr>
+        <p:cNvPr id="1" name=""/>
+        <p:cNvGrpSpPr/>
+        <p:nvPr/>
+      </p:nvGrpSpPr>
+      <p:grpSpPr>
+        <a:xfrm>
+          <a:off x="0" y="0"/>
+          <a:ext cx="0" cy="0"/>
+          <a:chOff x="0" y="0"/>
+          <a:chExt cx="0" cy="0"/>
+        </a:xfrm>
+      </p:grpSpPr>
+      <p:sp>
+        <p:nvSpPr>
+          <p:cNvPr id="2" name="Slide Image Placeholder 1"/>
+          <p:cNvSpPr>
+            <a:spLocks noGrp="1" noRot="1" noChangeAspect="1"/>
+          </p:cNvSpPr>
+          <p:nvPr>
+            <p:ph type="sldImg"/>
+          </p:nvPr>
+        </p:nvSpPr>
+        <p:spPr/>
+      </p:sp>
+      <p:sp>
+        <p:nvSpPr>
+          <p:cNvPr id="3" name="Notes Placeholder 2"/>
+          <p:cNvSpPr>
+            <a:spLocks noGrp="1"/>
+          </p:cNvSpPr>
+          <p:nvPr>
+            <p:ph type="body" idx="1"/>
+          </p:nvPr>
+        </p:nvSpPr>
+        <p:spPr/>
+        <p:txBody>
+          <a:bodyPr/>
+          <a:lstStyle/>
+          <a:p>
+            <a:endParaRPr lang="en-IN" dirty="0"/>
+          </a:p>
+        </p:txBody>
+      </p:sp>
+      <p:sp>
+        <p:nvSpPr>
+          <p:cNvPr id="4" name="Slide Number Placeholder 3"/>
+          <p:cNvSpPr>
+            <a:spLocks noGrp="1"/>
+          </p:cNvSpPr>
+          <p:nvPr>
+            <p:ph type="sldNum" sz="quarter" idx="5"/>
+          </p:nvPr>
+        </p:nvSpPr>
+        <p:spPr/>
+        <p:txBody>
+          <a:bodyPr/>
+          <a:lstStyle/>
+          <a:p>
+            <a:fld id="{BDC24E1C-98C9-4A5C-B977-37CA2174AF02}" type="slidenum">
+              <a:rPr lang="en-IN" smtClean="0"/>
+              <a:t>6</a:t>
+            </a:fld>
+            <a:endParaRPr lang="en-IN"/>
+          </a:p>
+        </p:txBody>
+      </p:sp>
+    </p:spTree>
+    <p:extLst>
+      <p:ext uri="{BB962C8B-B14F-4D97-AF65-F5344CB8AC3E}">
         <p14:creationId xmlns:p14="http://schemas.microsoft.com/office/powerpoint/2010/main" val="2377967074"/>
       </p:ext>
     </p:extLst>
@@ -945,7 +1162,7 @@
 </p:notes>
 </file>
 
-<file path=ppt/notesSlides/notesSlide4.xml><?xml version="1.0" encoding="utf-8"?>
+<file path=ppt/notesSlides/notesSlide5.xml><?xml version="1.0" encoding="utf-8"?>
 <p:notes xmlns:a="http://schemas.openxmlformats.org/drawingml/2006/main" xmlns:r="http://schemas.openxmlformats.org/officeDocument/2006/relationships" xmlns:p="http://schemas.openxmlformats.org/presentationml/2006/main">
   <p:cSld>
     <p:spTree>
@@ -1034,7 +1251,7 @@
           <a:p>
             <a:fld id="{BDC24E1C-98C9-4A5C-B977-37CA2174AF02}" type="slidenum">
               <a:rPr lang="en-IN" smtClean="0"/>
-              <a:t>6</a:t>
+              <a:t>7</a:t>
             </a:fld>
             <a:endParaRPr lang="en-IN"/>
           </a:p>
@@ -1053,7 +1270,7 @@
 </p:notes>
 </file>
 
-<file path=ppt/notesSlides/notesSlide5.xml><?xml version="1.0" encoding="utf-8"?>
+<file path=ppt/notesSlides/notesSlide6.xml><?xml version="1.0" encoding="utf-8"?>
 <p:notes xmlns:a="http://schemas.openxmlformats.org/drawingml/2006/main" xmlns:r="http://schemas.openxmlformats.org/officeDocument/2006/relationships" xmlns:p="http://schemas.openxmlformats.org/presentationml/2006/main">
   <p:cSld>
     <p:spTree>
@@ -1142,7 +1359,7 @@
           <a:p>
             <a:fld id="{BDC24E1C-98C9-4A5C-B977-37CA2174AF02}" type="slidenum">
               <a:rPr lang="en-IN" smtClean="0"/>
-              <a:t>7</a:t>
+              <a:t>8</a:t>
             </a:fld>
             <a:endParaRPr lang="en-IN"/>
           </a:p>
@@ -1161,7 +1378,7 @@
 </p:notes>
 </file>
 
-<file path=ppt/notesSlides/notesSlide6.xml><?xml version="1.0" encoding="utf-8"?>
+<file path=ppt/notesSlides/notesSlide7.xml><?xml version="1.0" encoding="utf-8"?>
 <p:notes xmlns:a="http://schemas.openxmlformats.org/drawingml/2006/main" xmlns:r="http://schemas.openxmlformats.org/officeDocument/2006/relationships" xmlns:p="http://schemas.openxmlformats.org/presentationml/2006/main">
   <p:cSld>
     <p:spTree>
@@ -1250,7 +1467,7 @@
           <a:p>
             <a:fld id="{BDC24E1C-98C9-4A5C-B977-37CA2174AF02}" type="slidenum">
               <a:rPr lang="en-IN" smtClean="0"/>
-              <a:t>8</a:t>
+              <a:t>9</a:t>
             </a:fld>
             <a:endParaRPr lang="en-IN"/>
           </a:p>
@@ -1269,7 +1486,7 @@
 </p:notes>
 </file>
 
-<file path=ppt/notesSlides/notesSlide7.xml><?xml version="1.0" encoding="utf-8"?>
+<file path=ppt/notesSlides/notesSlide8.xml><?xml version="1.0" encoding="utf-8"?>
 <p:notes xmlns:a="http://schemas.openxmlformats.org/drawingml/2006/main" xmlns:r="http://schemas.openxmlformats.org/officeDocument/2006/relationships" xmlns:p="http://schemas.openxmlformats.org/presentationml/2006/main">
   <p:cSld>
     <p:spTree>
@@ -1358,7 +1575,7 @@
           <a:p>
             <a:fld id="{BDC24E1C-98C9-4A5C-B977-37CA2174AF02}" type="slidenum">
               <a:rPr lang="en-IN" smtClean="0"/>
-              <a:t>9</a:t>
+              <a:t>10</a:t>
             </a:fld>
             <a:endParaRPr lang="en-IN"/>
           </a:p>
@@ -1377,7 +1594,7 @@
 </p:notes>
 </file>
 
-<file path=ppt/notesSlides/notesSlide8.xml><?xml version="1.0" encoding="utf-8"?>
+<file path=ppt/notesSlides/notesSlide9.xml><?xml version="1.0" encoding="utf-8"?>
 <p:notes xmlns:a="http://schemas.openxmlformats.org/drawingml/2006/main" xmlns:r="http://schemas.openxmlformats.org/officeDocument/2006/relationships" xmlns:p="http://schemas.openxmlformats.org/presentationml/2006/main">
   <p:cSld>
     <p:spTree>
@@ -1466,7 +1683,7 @@
           <a:p>
             <a:fld id="{BDC24E1C-98C9-4A5C-B977-37CA2174AF02}" type="slidenum">
               <a:rPr lang="en-IN" smtClean="0"/>
-              <a:t>10</a:t>
+              <a:t>11</a:t>
             </a:fld>
             <a:endParaRPr lang="en-IN"/>
           </a:p>
@@ -1476,114 +1693,6 @@
     <p:extLst>
       <p:ext uri="{BB962C8B-B14F-4D97-AF65-F5344CB8AC3E}">
         <p14:creationId xmlns:p14="http://schemas.microsoft.com/office/powerpoint/2010/main" val="171661423"/>
-      </p:ext>
-    </p:extLst>
-  </p:cSld>
-  <p:clrMapOvr>
-    <a:masterClrMapping/>
-  </p:clrMapOvr>
-</p:notes>
-</file>
-
-<file path=ppt/notesSlides/notesSlide9.xml><?xml version="1.0" encoding="utf-8"?>
-<p:notes xmlns:a="http://schemas.openxmlformats.org/drawingml/2006/main" xmlns:r="http://schemas.openxmlformats.org/officeDocument/2006/relationships" xmlns:p="http://schemas.openxmlformats.org/presentationml/2006/main">
-  <p:cSld>
-    <p:spTree>
-      <p:nvGrpSpPr>
-        <p:cNvPr id="1" name="">
-          <a:extLst>
-            <a:ext uri="{FF2B5EF4-FFF2-40B4-BE49-F238E27FC236}">
-              <a16:creationId xmlns:a16="http://schemas.microsoft.com/office/drawing/2014/main" id="{0861DC77-1ACF-F47D-5E12-461A8B78A2F0}"/>
-            </a:ext>
-          </a:extLst>
-        </p:cNvPr>
-        <p:cNvGrpSpPr/>
-        <p:nvPr/>
-      </p:nvGrpSpPr>
-      <p:grpSpPr>
-        <a:xfrm>
-          <a:off x="0" y="0"/>
-          <a:ext cx="0" cy="0"/>
-          <a:chOff x="0" y="0"/>
-          <a:chExt cx="0" cy="0"/>
-        </a:xfrm>
-      </p:grpSpPr>
-      <p:sp>
-        <p:nvSpPr>
-          <p:cNvPr id="2" name="Slide Image Placeholder 1">
-            <a:extLst>
-              <a:ext uri="{FF2B5EF4-FFF2-40B4-BE49-F238E27FC236}">
-                <a16:creationId xmlns:a16="http://schemas.microsoft.com/office/drawing/2014/main" id="{20DAB3D4-11FD-63C9-72E5-28A686C247DD}"/>
-              </a:ext>
-            </a:extLst>
-          </p:cNvPr>
-          <p:cNvSpPr>
-            <a:spLocks noGrp="1" noRot="1" noChangeAspect="1"/>
-          </p:cNvSpPr>
-          <p:nvPr>
-            <p:ph type="sldImg"/>
-          </p:nvPr>
-        </p:nvSpPr>
-        <p:spPr/>
-      </p:sp>
-      <p:sp>
-        <p:nvSpPr>
-          <p:cNvPr id="3" name="Notes Placeholder 2">
-            <a:extLst>
-              <a:ext uri="{FF2B5EF4-FFF2-40B4-BE49-F238E27FC236}">
-                <a16:creationId xmlns:a16="http://schemas.microsoft.com/office/drawing/2014/main" id="{BF712E77-1914-B33B-C64D-D4F79063A502}"/>
-              </a:ext>
-            </a:extLst>
-          </p:cNvPr>
-          <p:cNvSpPr>
-            <a:spLocks noGrp="1"/>
-          </p:cNvSpPr>
-          <p:nvPr>
-            <p:ph type="body" idx="1"/>
-          </p:nvPr>
-        </p:nvSpPr>
-        <p:spPr/>
-        <p:txBody>
-          <a:bodyPr/>
-          <a:lstStyle/>
-          <a:p>
-            <a:endParaRPr lang="en-IN" dirty="0"/>
-          </a:p>
-        </p:txBody>
-      </p:sp>
-      <p:sp>
-        <p:nvSpPr>
-          <p:cNvPr id="4" name="Slide Number Placeholder 3">
-            <a:extLst>
-              <a:ext uri="{FF2B5EF4-FFF2-40B4-BE49-F238E27FC236}">
-                <a16:creationId xmlns:a16="http://schemas.microsoft.com/office/drawing/2014/main" id="{B001F123-724A-CAC8-6444-BAB1F00F75B7}"/>
-              </a:ext>
-            </a:extLst>
-          </p:cNvPr>
-          <p:cNvSpPr>
-            <a:spLocks noGrp="1"/>
-          </p:cNvSpPr>
-          <p:nvPr>
-            <p:ph type="sldNum" sz="quarter" idx="5"/>
-          </p:nvPr>
-        </p:nvSpPr>
-        <p:spPr/>
-        <p:txBody>
-          <a:bodyPr/>
-          <a:lstStyle/>
-          <a:p>
-            <a:fld id="{BDC24E1C-98C9-4A5C-B977-37CA2174AF02}" type="slidenum">
-              <a:rPr lang="en-IN" smtClean="0"/>
-              <a:t>11</a:t>
-            </a:fld>
-            <a:endParaRPr lang="en-IN"/>
-          </a:p>
-        </p:txBody>
-      </p:sp>
-    </p:spTree>
-    <p:extLst>
-      <p:ext uri="{BB962C8B-B14F-4D97-AF65-F5344CB8AC3E}">
-        <p14:creationId xmlns:p14="http://schemas.microsoft.com/office/powerpoint/2010/main" val="627509115"/>
       </p:ext>
     </p:extLst>
   </p:cSld>
@@ -1929,7 +2038,7 @@
             <a:fld id="{5923F103-BC34-4FE4-A40E-EDDEECFDA5D0}" type="datetimeFigureOut">
               <a:rPr lang="en-US" dirty="0"/>
               <a:pPr/>
-              <a:t>8/12/2025</a:t>
+              <a:t>10/15/2025</a:t>
             </a:fld>
             <a:endParaRPr lang="en-US" dirty="0"/>
           </a:p>
@@ -3013,7 +3122,7 @@
           <a:p>
             <a:fld id="{923A1CC3-2375-41D4-9E03-427CAF2A4C1A}" type="datetimeFigureOut">
               <a:rPr lang="en-US" dirty="0"/>
-              <a:t>8/12/2025</a:t>
+              <a:t>10/15/2025</a:t>
             </a:fld>
             <a:endParaRPr lang="en-US" dirty="0"/>
           </a:p>
@@ -3989,7 +4098,7 @@
           <a:p>
             <a:fld id="{AFF16868-8199-4C2C-A5B1-63AEE139F88E}" type="datetimeFigureOut">
               <a:rPr lang="en-US" dirty="0"/>
-              <a:t>8/12/2025</a:t>
+              <a:t>10/15/2025</a:t>
             </a:fld>
             <a:endParaRPr lang="en-US" dirty="0"/>
           </a:p>
@@ -5119,7 +5228,7 @@
           <a:p>
             <a:fld id="{AAD9FF7F-6988-44CC-821B-644E70CD2F73}" type="datetimeFigureOut">
               <a:rPr lang="en-US" dirty="0"/>
-              <a:t>8/12/2025</a:t>
+              <a:t>10/15/2025</a:t>
             </a:fld>
             <a:endParaRPr lang="en-US" dirty="0"/>
           </a:p>
@@ -6148,7 +6257,7 @@
           <a:p>
             <a:fld id="{5C12C299-16B2-4475-990D-751901EACC14}" type="datetimeFigureOut">
               <a:rPr lang="en-US" dirty="0"/>
-              <a:t>8/12/2025</a:t>
+              <a:t>10/15/2025</a:t>
             </a:fld>
             <a:endParaRPr lang="en-US" dirty="0"/>
           </a:p>
@@ -6804,7 +6913,7 @@
           <a:p>
             <a:fld id="{9FE86839-B9D8-4651-8783-F325ECE74E65}" type="datetimeFigureOut">
               <a:rPr lang="en-US" dirty="0"/>
-              <a:t>8/12/2025</a:t>
+              <a:t>10/15/2025</a:t>
             </a:fld>
             <a:endParaRPr lang="en-US" dirty="0"/>
           </a:p>
@@ -7661,7 +7770,7 @@
           <a:p>
             <a:fld id="{FD484F64-32F6-45C5-931F-ADC1662401D0}" type="datetimeFigureOut">
               <a:rPr lang="en-US" dirty="0"/>
-              <a:t>8/12/2025</a:t>
+              <a:t>10/15/2025</a:t>
             </a:fld>
             <a:endParaRPr lang="en-US" dirty="0"/>
           </a:p>
@@ -7847,7 +7956,7 @@
           <a:p>
             <a:fld id="{53086D93-FCAC-47E0-A2EE-787E62CA814C}" type="datetimeFigureOut">
               <a:rPr lang="en-US" dirty="0"/>
-              <a:t>8/12/2025</a:t>
+              <a:t>10/15/2025</a:t>
             </a:fld>
             <a:endParaRPr lang="en-US" dirty="0"/>
           </a:p>
@@ -8815,7 +8924,7 @@
           <a:p>
             <a:fld id="{CDA879A6-0FD0-4734-A311-86BFCA472E6E}" type="datetimeFigureOut">
               <a:rPr lang="en-US" dirty="0"/>
-              <a:t>8/12/2025</a:t>
+              <a:t>10/15/2025</a:t>
             </a:fld>
             <a:endParaRPr lang="en-US" dirty="0"/>
           </a:p>
@@ -9022,7 +9131,7 @@
           <a:p>
             <a:fld id="{19C9CA7B-DFD4-44B5-8C60-D14B8CD1FB59}" type="datetimeFigureOut">
               <a:rPr lang="en-US" dirty="0"/>
-              <a:t>8/12/2025</a:t>
+              <a:t>10/15/2025</a:t>
             </a:fld>
             <a:endParaRPr lang="en-US" dirty="0"/>
           </a:p>
@@ -10052,7 +10161,7 @@
           <a:p>
             <a:fld id="{F34E6425-0181-43F2-84FC-787E803FD2F8}" type="datetimeFigureOut">
               <a:rPr lang="en-US" dirty="0"/>
-              <a:t>8/12/2025</a:t>
+              <a:t>10/15/2025</a:t>
             </a:fld>
             <a:endParaRPr lang="en-US" dirty="0"/>
           </a:p>
@@ -10320,7 +10429,7 @@
           <a:p>
             <a:fld id="{3BDB8791-F1B0-41E7-B7FD-A781E65C4266}" type="datetimeFigureOut">
               <a:rPr lang="en-US" dirty="0"/>
-              <a:t>8/12/2025</a:t>
+              <a:t>10/15/2025</a:t>
             </a:fld>
             <a:endParaRPr lang="en-US" dirty="0"/>
           </a:p>
@@ -10726,7 +10835,7 @@
           <a:p>
             <a:fld id="{5FDD63B2-E120-4ED8-B27B-C685F510A5FE}" type="datetimeFigureOut">
               <a:rPr lang="en-US" dirty="0"/>
-              <a:t>8/12/2025</a:t>
+              <a:t>10/15/2025</a:t>
             </a:fld>
             <a:endParaRPr lang="en-US" dirty="0"/>
           </a:p>
@@ -10849,7 +10958,7 @@
           <a:p>
             <a:fld id="{7AA18ACC-A947-437B-A130-35BD54FDF1E9}" type="datetimeFigureOut">
               <a:rPr lang="en-US" dirty="0"/>
-              <a:t>8/12/2025</a:t>
+              <a:t>10/15/2025</a:t>
             </a:fld>
             <a:endParaRPr lang="en-US" dirty="0"/>
           </a:p>
@@ -10940,7 +11049,7 @@
           <a:p>
             <a:fld id="{7C8D7E02-BCB8-4D50-A234-369438C08659}" type="datetimeFigureOut">
               <a:rPr lang="en-US" dirty="0"/>
-              <a:t>8/12/2025</a:t>
+              <a:t>10/15/2025</a:t>
             </a:fld>
             <a:endParaRPr lang="en-US" dirty="0"/>
           </a:p>
@@ -12017,7 +12126,7 @@
           <a:p>
             <a:fld id="{76E86A4C-8E40-4F87-A4F0-01A0687C5742}" type="datetimeFigureOut">
               <a:rPr lang="en-US" dirty="0"/>
-              <a:t>8/12/2025</a:t>
+              <a:t>10/15/2025</a:t>
             </a:fld>
             <a:endParaRPr lang="en-US" dirty="0"/>
           </a:p>
@@ -13121,7 +13230,7 @@
           <a:p>
             <a:fld id="{35E72C73-2D91-4E12-BA25-F0AA0C03599B}" type="datetimeFigureOut">
               <a:rPr lang="en-US" dirty="0"/>
-              <a:t>8/12/2025</a:t>
+              <a:t>10/15/2025</a:t>
             </a:fld>
             <a:endParaRPr lang="en-US" dirty="0"/>
           </a:p>
@@ -14114,7 +14223,7 @@
           <a:p>
             <a:fld id="{2BE451C3-0FF4-47C4-B829-773ADF60F88C}" type="datetimeFigureOut">
               <a:rPr lang="en-US" dirty="0"/>
-              <a:t>8/12/2025</a:t>
+              <a:t>10/15/2025</a:t>
             </a:fld>
             <a:endParaRPr lang="en-US" dirty="0"/>
           </a:p>
@@ -14723,6 +14832,294 @@
         <p:cNvPr id="1" name="">
           <a:extLst>
             <a:ext uri="{FF2B5EF4-FFF2-40B4-BE49-F238E27FC236}">
+              <a16:creationId xmlns:a16="http://schemas.microsoft.com/office/drawing/2014/main" id="{7F234835-4039-02BB-FB35-958D9C83D219}"/>
+            </a:ext>
+          </a:extLst>
+        </p:cNvPr>
+        <p:cNvGrpSpPr/>
+        <p:nvPr/>
+      </p:nvGrpSpPr>
+      <p:grpSpPr>
+        <a:xfrm>
+          <a:off x="0" y="0"/>
+          <a:ext cx="0" cy="0"/>
+          <a:chOff x="0" y="0"/>
+          <a:chExt cx="0" cy="0"/>
+        </a:xfrm>
+      </p:grpSpPr>
+      <p:sp>
+        <p:nvSpPr>
+          <p:cNvPr id="2" name="Title 1">
+            <a:extLst>
+              <a:ext uri="{FF2B5EF4-FFF2-40B4-BE49-F238E27FC236}">
+                <a16:creationId xmlns:a16="http://schemas.microsoft.com/office/drawing/2014/main" id="{C90D5955-DF22-EFC5-85D3-4109CF59EC42}"/>
+              </a:ext>
+            </a:extLst>
+          </p:cNvPr>
+          <p:cNvSpPr>
+            <a:spLocks noGrp="1"/>
+          </p:cNvSpPr>
+          <p:nvPr>
+            <p:ph type="title"/>
+          </p:nvPr>
+        </p:nvSpPr>
+        <p:spPr>
+          <a:xfrm>
+            <a:off x="1154954" y="965984"/>
+            <a:ext cx="8761413" cy="706964"/>
+          </a:xfrm>
+        </p:spPr>
+        <p:txBody>
+          <a:bodyPr/>
+          <a:lstStyle/>
+          <a:p>
+            <a:r>
+              <a:rPr lang="en-IN" dirty="0" err="1"/>
+              <a:t>Spirng</a:t>
+            </a:r>
+            <a:r>
+              <a:rPr lang="en-IN" dirty="0"/>
+              <a:t> boot Interview questions</a:t>
+            </a:r>
+          </a:p>
+        </p:txBody>
+      </p:sp>
+      <p:sp>
+        <p:nvSpPr>
+          <p:cNvPr id="3" name="Content Placeholder 2">
+            <a:extLst>
+              <a:ext uri="{FF2B5EF4-FFF2-40B4-BE49-F238E27FC236}">
+                <a16:creationId xmlns:a16="http://schemas.microsoft.com/office/drawing/2014/main" id="{583D117D-E1AC-D803-ACFC-97601099D341}"/>
+              </a:ext>
+            </a:extLst>
+          </p:cNvPr>
+          <p:cNvSpPr>
+            <a:spLocks noGrp="1"/>
+          </p:cNvSpPr>
+          <p:nvPr>
+            <p:ph idx="1"/>
+          </p:nvPr>
+        </p:nvSpPr>
+        <p:spPr>
+          <a:xfrm>
+            <a:off x="1122830" y="2235752"/>
+            <a:ext cx="8825659" cy="3648580"/>
+          </a:xfrm>
+        </p:spPr>
+        <p:txBody>
+          <a:bodyPr>
+            <a:normAutofit/>
+          </a:bodyPr>
+          <a:lstStyle/>
+          <a:p>
+            <a:pPr>
+              <a:buFont typeface="Wingdings" panose="05000000000000000000" pitchFamily="2" charset="2"/>
+              <a:buChar char="q"/>
+            </a:pPr>
+            <a:r>
+              <a:rPr lang="en-IN" sz="1400" dirty="0">
+                <a:solidFill>
+                  <a:schemeClr val="tx1"/>
+                </a:solidFill>
+                <a:latin typeface="Cambria" panose="02040503050406030204" pitchFamily="18" charset="0"/>
+                <a:ea typeface="Cambria" panose="02040503050406030204" pitchFamily="18" charset="0"/>
+              </a:rPr>
+              <a:t>What is entity Life Cycle?</a:t>
+            </a:r>
+          </a:p>
+          <a:p>
+            <a:pPr>
+              <a:buFont typeface="Wingdings" panose="05000000000000000000" pitchFamily="2" charset="2"/>
+              <a:buChar char="q"/>
+            </a:pPr>
+            <a:r>
+              <a:rPr lang="en-IN" sz="1400" dirty="0">
+                <a:solidFill>
+                  <a:schemeClr val="tx1"/>
+                </a:solidFill>
+                <a:latin typeface="Cambria" panose="02040503050406030204" pitchFamily="18" charset="0"/>
+                <a:ea typeface="Cambria" panose="02040503050406030204" pitchFamily="18" charset="0"/>
+              </a:rPr>
+              <a:t>What is ORM explain in spring boot?</a:t>
+            </a:r>
+          </a:p>
+          <a:p>
+            <a:pPr>
+              <a:buFont typeface="Wingdings" panose="05000000000000000000" pitchFamily="2" charset="2"/>
+              <a:buChar char="q"/>
+            </a:pPr>
+            <a:r>
+              <a:rPr lang="en-IN" sz="1400" dirty="0">
+                <a:solidFill>
+                  <a:schemeClr val="tx1"/>
+                </a:solidFill>
+                <a:latin typeface="Cambria" panose="02040503050406030204" pitchFamily="18" charset="0"/>
+                <a:ea typeface="Cambria" panose="02040503050406030204" pitchFamily="18" charset="0"/>
+              </a:rPr>
+              <a:t>Explain the flow how Entity store into database?</a:t>
+            </a:r>
+          </a:p>
+          <a:p>
+            <a:pPr>
+              <a:buFont typeface="Wingdings" panose="05000000000000000000" pitchFamily="2" charset="2"/>
+              <a:buChar char="q"/>
+            </a:pPr>
+            <a:r>
+              <a:rPr lang="en-IN" sz="1400" dirty="0">
+                <a:solidFill>
+                  <a:schemeClr val="tx1"/>
+                </a:solidFill>
+                <a:latin typeface="Cambria" panose="02040503050406030204" pitchFamily="18" charset="0"/>
+                <a:ea typeface="Cambria" panose="02040503050406030204" pitchFamily="18" charset="0"/>
+              </a:rPr>
+              <a:t>What is Dynamic bean initialization?</a:t>
+            </a:r>
+          </a:p>
+          <a:p>
+            <a:pPr>
+              <a:buFont typeface="Wingdings" panose="05000000000000000000" pitchFamily="2" charset="2"/>
+              <a:buChar char="q"/>
+            </a:pPr>
+            <a:r>
+              <a:rPr lang="en-IN" sz="1400" dirty="0">
+                <a:solidFill>
+                  <a:schemeClr val="tx1"/>
+                </a:solidFill>
+                <a:latin typeface="Cambria" panose="02040503050406030204" pitchFamily="18" charset="0"/>
+                <a:ea typeface="Cambria" panose="02040503050406030204" pitchFamily="18" charset="0"/>
+              </a:rPr>
+              <a:t>Explain what is Beans scopes and explain Singleton and proto?</a:t>
+            </a:r>
+          </a:p>
+          <a:p>
+            <a:pPr>
+              <a:buFont typeface="Wingdings" panose="05000000000000000000" pitchFamily="2" charset="2"/>
+              <a:buChar char="q"/>
+            </a:pPr>
+            <a:r>
+              <a:rPr lang="en-IN" sz="1400" dirty="0">
+                <a:solidFill>
+                  <a:schemeClr val="tx1"/>
+                </a:solidFill>
+                <a:latin typeface="Cambria" panose="02040503050406030204" pitchFamily="18" charset="0"/>
+                <a:ea typeface="Cambria" panose="02040503050406030204" pitchFamily="18" charset="0"/>
+              </a:rPr>
+              <a:t>What is profile, AOP, Transactional, Async, interceptor and Filters?</a:t>
+            </a:r>
+          </a:p>
+          <a:p>
+            <a:pPr>
+              <a:buFont typeface="Wingdings" panose="05000000000000000000" pitchFamily="2" charset="2"/>
+              <a:buChar char="q"/>
+            </a:pPr>
+            <a:r>
+              <a:rPr lang="en-IN" sz="1400" dirty="0">
+                <a:solidFill>
+                  <a:schemeClr val="tx1"/>
+                </a:solidFill>
+                <a:latin typeface="Cambria" panose="02040503050406030204" pitchFamily="18" charset="0"/>
+                <a:ea typeface="Cambria" panose="02040503050406030204" pitchFamily="18" charset="0"/>
+              </a:rPr>
+              <a:t>Explain spring security workflow?</a:t>
+            </a:r>
+          </a:p>
+          <a:p>
+            <a:pPr>
+              <a:buFont typeface="Wingdings" panose="05000000000000000000" pitchFamily="2" charset="2"/>
+              <a:buChar char="q"/>
+            </a:pPr>
+            <a:r>
+              <a:rPr lang="en-IN" sz="1400" dirty="0">
+                <a:solidFill>
+                  <a:schemeClr val="tx1"/>
+                </a:solidFill>
+                <a:latin typeface="Cambria" panose="02040503050406030204" pitchFamily="18" charset="0"/>
+                <a:ea typeface="Cambria" panose="02040503050406030204" pitchFamily="18" charset="0"/>
+              </a:rPr>
+              <a:t>Explain types of attacks? – </a:t>
+            </a:r>
+          </a:p>
+          <a:p>
+            <a:pPr>
+              <a:buFont typeface="Wingdings" panose="05000000000000000000" pitchFamily="2" charset="2"/>
+              <a:buChar char="q"/>
+            </a:pPr>
+            <a:r>
+              <a:rPr lang="en-IN" sz="1400" dirty="0">
+                <a:solidFill>
+                  <a:schemeClr val="tx1"/>
+                </a:solidFill>
+                <a:latin typeface="Cambria" panose="02040503050406030204" pitchFamily="18" charset="0"/>
+                <a:ea typeface="Cambria" panose="02040503050406030204" pitchFamily="18" charset="0"/>
+              </a:rPr>
+              <a:t>Microservices and its definitions?</a:t>
+            </a:r>
+          </a:p>
+          <a:p>
+            <a:pPr>
+              <a:buFont typeface="Wingdings" panose="05000000000000000000" pitchFamily="2" charset="2"/>
+              <a:buChar char="q"/>
+            </a:pPr>
+            <a:r>
+              <a:rPr lang="en-IN" sz="1400" dirty="0">
+                <a:solidFill>
+                  <a:schemeClr val="tx1"/>
+                </a:solidFill>
+                <a:latin typeface="Cambria" panose="02040503050406030204" pitchFamily="18" charset="0"/>
+                <a:ea typeface="Cambria" panose="02040503050406030204" pitchFamily="18" charset="0"/>
+              </a:rPr>
+              <a:t>Types of attack In spring boot?</a:t>
+            </a:r>
+          </a:p>
+          <a:p>
+            <a:pPr>
+              <a:buFont typeface="Wingdings" panose="05000000000000000000" pitchFamily="2" charset="2"/>
+              <a:buChar char="q"/>
+            </a:pPr>
+            <a:endParaRPr lang="en-IN" sz="1400" dirty="0">
+              <a:solidFill>
+                <a:schemeClr val="tx1"/>
+              </a:solidFill>
+              <a:latin typeface="Cambria" panose="02040503050406030204" pitchFamily="18" charset="0"/>
+              <a:ea typeface="Cambria" panose="02040503050406030204" pitchFamily="18" charset="0"/>
+            </a:endParaRPr>
+          </a:p>
+          <a:p>
+            <a:pPr>
+              <a:buFont typeface="Wingdings" panose="05000000000000000000" pitchFamily="2" charset="2"/>
+              <a:buChar char="q"/>
+            </a:pPr>
+            <a:endParaRPr lang="en-IN" sz="1400" dirty="0">
+              <a:solidFill>
+                <a:schemeClr val="tx1"/>
+              </a:solidFill>
+              <a:latin typeface="Cambria" panose="02040503050406030204" pitchFamily="18" charset="0"/>
+              <a:ea typeface="Cambria" panose="02040503050406030204" pitchFamily="18" charset="0"/>
+            </a:endParaRPr>
+          </a:p>
+        </p:txBody>
+      </p:sp>
+    </p:spTree>
+    <p:extLst>
+      <p:ext uri="{BB962C8B-B14F-4D97-AF65-F5344CB8AC3E}">
+        <p14:creationId xmlns:p14="http://schemas.microsoft.com/office/powerpoint/2010/main" val="2750701299"/>
+      </p:ext>
+    </p:extLst>
+  </p:cSld>
+  <p:clrMapOvr>
+    <a:masterClrMapping/>
+  </p:clrMapOvr>
+</p:sld>
+</file>
+
+<file path=ppt/slides/slide11.xml><?xml version="1.0" encoding="utf-8"?>
+<p:sld xmlns:a="http://schemas.openxmlformats.org/drawingml/2006/main" xmlns:r="http://schemas.openxmlformats.org/officeDocument/2006/relationships" xmlns:p="http://schemas.openxmlformats.org/presentationml/2006/main">
+  <p:cSld>
+    <p:spTree>
+      <p:nvGrpSpPr>
+        <p:cNvPr id="1" name="">
+          <a:extLst>
+            <a:ext uri="{FF2B5EF4-FFF2-40B4-BE49-F238E27FC236}">
               <a16:creationId xmlns:a16="http://schemas.microsoft.com/office/drawing/2014/main" id="{532D2B25-E888-39AE-C1C3-CBD8CFCE9D3E}"/>
             </a:ext>
           </a:extLst>
@@ -14846,7 +15243,7 @@
 </p:sld>
 </file>
 
-<file path=ppt/slides/slide11.xml><?xml version="1.0" encoding="utf-8"?>
+<file path=ppt/slides/slide12.xml><?xml version="1.0" encoding="utf-8"?>
 <p:sld xmlns:a="http://schemas.openxmlformats.org/drawingml/2006/main" xmlns:r="http://schemas.openxmlformats.org/officeDocument/2006/relationships" xmlns:p="http://schemas.openxmlformats.org/presentationml/2006/main">
   <p:cSld>
     <p:spTree>
@@ -15018,7 +15415,7 @@
 </p:sld>
 </file>
 
-<file path=ppt/slides/slide12.xml><?xml version="1.0" encoding="utf-8"?>
+<file path=ppt/slides/slide13.xml><?xml version="1.0" encoding="utf-8"?>
 <p:sld xmlns:a="http://schemas.openxmlformats.org/drawingml/2006/main" xmlns:r="http://schemas.openxmlformats.org/officeDocument/2006/relationships" xmlns:p="http://schemas.openxmlformats.org/presentationml/2006/main">
   <p:cSld>
     <p:spTree>
@@ -15165,7 +15562,7 @@
 </p:sld>
 </file>
 
-<file path=ppt/slides/slide13.xml><?xml version="1.0" encoding="utf-8"?>
+<file path=ppt/slides/slide14.xml><?xml version="1.0" encoding="utf-8"?>
 <p:sld xmlns:a="http://schemas.openxmlformats.org/drawingml/2006/main" xmlns:r="http://schemas.openxmlformats.org/officeDocument/2006/relationships" xmlns:p="http://schemas.openxmlformats.org/presentationml/2006/main">
   <p:cSld>
     <p:spTree>
@@ -15399,6 +15796,123 @@
   <p:cSld>
     <p:spTree>
       <p:nvGrpSpPr>
+        <p:cNvPr id="1" name="">
+          <a:extLst>
+            <a:ext uri="{FF2B5EF4-FFF2-40B4-BE49-F238E27FC236}">
+              <a16:creationId xmlns:a16="http://schemas.microsoft.com/office/drawing/2014/main" id="{2CE081AC-03B4-EA62-A677-AEB73842B052}"/>
+            </a:ext>
+          </a:extLst>
+        </p:cNvPr>
+        <p:cNvGrpSpPr/>
+        <p:nvPr/>
+      </p:nvGrpSpPr>
+      <p:grpSpPr>
+        <a:xfrm>
+          <a:off x="0" y="0"/>
+          <a:ext cx="0" cy="0"/>
+          <a:chOff x="0" y="0"/>
+          <a:chExt cx="0" cy="0"/>
+        </a:xfrm>
+      </p:grpSpPr>
+      <p:sp>
+        <p:nvSpPr>
+          <p:cNvPr id="2" name="Title 1">
+            <a:extLst>
+              <a:ext uri="{FF2B5EF4-FFF2-40B4-BE49-F238E27FC236}">
+                <a16:creationId xmlns:a16="http://schemas.microsoft.com/office/drawing/2014/main" id="{09BD4E79-D63C-9D3A-3287-C31623ABE7CF}"/>
+              </a:ext>
+            </a:extLst>
+          </p:cNvPr>
+          <p:cNvSpPr>
+            <a:spLocks noGrp="1"/>
+          </p:cNvSpPr>
+          <p:nvPr>
+            <p:ph type="title"/>
+          </p:nvPr>
+        </p:nvSpPr>
+        <p:spPr/>
+        <p:txBody>
+          <a:bodyPr/>
+          <a:lstStyle/>
+          <a:p>
+            <a:r>
+              <a:rPr lang="en-IN" dirty="0"/>
+              <a:t>Resume Questions</a:t>
+            </a:r>
+          </a:p>
+        </p:txBody>
+      </p:sp>
+      <p:sp>
+        <p:nvSpPr>
+          <p:cNvPr id="3" name="Content Placeholder 2">
+            <a:extLst>
+              <a:ext uri="{FF2B5EF4-FFF2-40B4-BE49-F238E27FC236}">
+                <a16:creationId xmlns:a16="http://schemas.microsoft.com/office/drawing/2014/main" id="{53578AA8-7A9E-3504-3A5C-C890809FB528}"/>
+              </a:ext>
+            </a:extLst>
+          </p:cNvPr>
+          <p:cNvSpPr>
+            <a:spLocks noGrp="1"/>
+          </p:cNvSpPr>
+          <p:nvPr>
+            <p:ph idx="1"/>
+          </p:nvPr>
+        </p:nvSpPr>
+        <p:spPr>
+          <a:xfrm>
+            <a:off x="1154954" y="2290417"/>
+            <a:ext cx="8825659" cy="3416300"/>
+          </a:xfrm>
+        </p:spPr>
+        <p:txBody>
+          <a:bodyPr>
+            <a:normAutofit/>
+          </a:bodyPr>
+          <a:lstStyle/>
+          <a:p>
+            <a:pPr>
+              <a:buFont typeface="Wingdings" panose="05000000000000000000" pitchFamily="2" charset="2"/>
+              <a:buChar char="q"/>
+            </a:pPr>
+            <a:r>
+              <a:rPr lang="en-IN" sz="1400" dirty="0">
+                <a:latin typeface="Aptos" panose="020B0004020202020204" pitchFamily="34" charset="0"/>
+              </a:rPr>
+              <a:t>Introduce About yourself?</a:t>
+            </a:r>
+          </a:p>
+          <a:p>
+            <a:pPr>
+              <a:buFont typeface="Wingdings" panose="05000000000000000000" pitchFamily="2" charset="2"/>
+              <a:buChar char="q"/>
+            </a:pPr>
+            <a:r>
+              <a:rPr lang="en-IN" sz="1400" dirty="0">
+                <a:latin typeface="Aptos" panose="020B0004020202020204" pitchFamily="34" charset="0"/>
+              </a:rPr>
+              <a:t>What is the Project you contributed During the internship?</a:t>
+            </a:r>
+          </a:p>
+        </p:txBody>
+      </p:sp>
+    </p:spTree>
+    <p:extLst>
+      <p:ext uri="{BB962C8B-B14F-4D97-AF65-F5344CB8AC3E}">
+        <p14:creationId xmlns:p14="http://schemas.microsoft.com/office/powerpoint/2010/main" val="3154515600"/>
+      </p:ext>
+    </p:extLst>
+  </p:cSld>
+  <p:clrMapOvr>
+    <a:masterClrMapping/>
+  </p:clrMapOvr>
+</p:sld>
+</file>
+
+<file path=ppt/slides/slide3.xml><?xml version="1.0" encoding="utf-8"?>
+<p:sld xmlns:a="http://schemas.openxmlformats.org/drawingml/2006/main" xmlns:r="http://schemas.openxmlformats.org/officeDocument/2006/relationships" xmlns:p="http://schemas.openxmlformats.org/presentationml/2006/main">
+  <p:cSld>
+    <p:spTree>
+      <p:nvGrpSpPr>
         <p:cNvPr id="1" name=""/>
         <p:cNvGrpSpPr/>
         <p:nvPr/>
@@ -15757,7 +16271,7 @@
 </p:sld>
 </file>
 
-<file path=ppt/slides/slide3.xml><?xml version="1.0" encoding="utf-8"?>
+<file path=ppt/slides/slide4.xml><?xml version="1.0" encoding="utf-8"?>
 <p:sld xmlns:a="http://schemas.openxmlformats.org/drawingml/2006/main" xmlns:r="http://schemas.openxmlformats.org/officeDocument/2006/relationships" xmlns:p="http://schemas.openxmlformats.org/presentationml/2006/main">
   <p:cSld>
     <p:spTree>
@@ -15979,7 +16493,7 @@
 </p:sld>
 </file>
 
-<file path=ppt/slides/slide4.xml><?xml version="1.0" encoding="utf-8"?>
+<file path=ppt/slides/slide5.xml><?xml version="1.0" encoding="utf-8"?>
 <p:sld xmlns:a="http://schemas.openxmlformats.org/drawingml/2006/main" xmlns:r="http://schemas.openxmlformats.org/officeDocument/2006/relationships" xmlns:p="http://schemas.openxmlformats.org/presentationml/2006/main">
   <p:cSld>
     <p:spTree>
@@ -16285,7 +16799,7 @@
 </p:sld>
 </file>
 
-<file path=ppt/slides/slide5.xml><?xml version="1.0" encoding="utf-8"?>
+<file path=ppt/slides/slide6.xml><?xml version="1.0" encoding="utf-8"?>
 <p:sld xmlns:a="http://schemas.openxmlformats.org/drawingml/2006/main" xmlns:r="http://schemas.openxmlformats.org/officeDocument/2006/relationships" xmlns:p="http://schemas.openxmlformats.org/presentationml/2006/main">
   <p:cSld>
     <p:spTree>
@@ -16555,7 +17069,7 @@
 </p:sld>
 </file>
 
-<file path=ppt/slides/slide6.xml><?xml version="1.0" encoding="utf-8"?>
+<file path=ppt/slides/slide7.xml><?xml version="1.0" encoding="utf-8"?>
 <p:sld xmlns:a="http://schemas.openxmlformats.org/drawingml/2006/main" xmlns:r="http://schemas.openxmlformats.org/officeDocument/2006/relationships" xmlns:p="http://schemas.openxmlformats.org/presentationml/2006/main">
   <p:cSld>
     <p:spTree>
@@ -16840,7 +17354,7 @@
 </p:sld>
 </file>
 
-<file path=ppt/slides/slide7.xml><?xml version="1.0" encoding="utf-8"?>
+<file path=ppt/slides/slide8.xml><?xml version="1.0" encoding="utf-8"?>
 <p:sld xmlns:a="http://schemas.openxmlformats.org/drawingml/2006/main" xmlns:r="http://schemas.openxmlformats.org/officeDocument/2006/relationships" xmlns:p="http://schemas.openxmlformats.org/presentationml/2006/main">
   <p:cSld>
     <p:spTree>
@@ -17300,7 +17814,7 @@
 </p:sld>
 </file>
 
-<file path=ppt/slides/slide8.xml><?xml version="1.0" encoding="utf-8"?>
+<file path=ppt/slides/slide9.xml><?xml version="1.0" encoding="utf-8"?>
 <p:sld xmlns:a="http://schemas.openxmlformats.org/drawingml/2006/main" xmlns:r="http://schemas.openxmlformats.org/officeDocument/2006/relationships" xmlns:p="http://schemas.openxmlformats.org/presentationml/2006/main">
   <p:cSld>
     <p:spTree>
@@ -17753,294 +18267,6 @@
     <p:extLst>
       <p:ext uri="{BB962C8B-B14F-4D97-AF65-F5344CB8AC3E}">
         <p14:creationId xmlns:p14="http://schemas.microsoft.com/office/powerpoint/2010/main" val="882811027"/>
-      </p:ext>
-    </p:extLst>
-  </p:cSld>
-  <p:clrMapOvr>
-    <a:masterClrMapping/>
-  </p:clrMapOvr>
-</p:sld>
-</file>
-
-<file path=ppt/slides/slide9.xml><?xml version="1.0" encoding="utf-8"?>
-<p:sld xmlns:a="http://schemas.openxmlformats.org/drawingml/2006/main" xmlns:r="http://schemas.openxmlformats.org/officeDocument/2006/relationships" xmlns:p="http://schemas.openxmlformats.org/presentationml/2006/main">
-  <p:cSld>
-    <p:spTree>
-      <p:nvGrpSpPr>
-        <p:cNvPr id="1" name="">
-          <a:extLst>
-            <a:ext uri="{FF2B5EF4-FFF2-40B4-BE49-F238E27FC236}">
-              <a16:creationId xmlns:a16="http://schemas.microsoft.com/office/drawing/2014/main" id="{7F234835-4039-02BB-FB35-958D9C83D219}"/>
-            </a:ext>
-          </a:extLst>
-        </p:cNvPr>
-        <p:cNvGrpSpPr/>
-        <p:nvPr/>
-      </p:nvGrpSpPr>
-      <p:grpSpPr>
-        <a:xfrm>
-          <a:off x="0" y="0"/>
-          <a:ext cx="0" cy="0"/>
-          <a:chOff x="0" y="0"/>
-          <a:chExt cx="0" cy="0"/>
-        </a:xfrm>
-      </p:grpSpPr>
-      <p:sp>
-        <p:nvSpPr>
-          <p:cNvPr id="2" name="Title 1">
-            <a:extLst>
-              <a:ext uri="{FF2B5EF4-FFF2-40B4-BE49-F238E27FC236}">
-                <a16:creationId xmlns:a16="http://schemas.microsoft.com/office/drawing/2014/main" id="{C90D5955-DF22-EFC5-85D3-4109CF59EC42}"/>
-              </a:ext>
-            </a:extLst>
-          </p:cNvPr>
-          <p:cNvSpPr>
-            <a:spLocks noGrp="1"/>
-          </p:cNvSpPr>
-          <p:nvPr>
-            <p:ph type="title"/>
-          </p:nvPr>
-        </p:nvSpPr>
-        <p:spPr>
-          <a:xfrm>
-            <a:off x="1154954" y="965984"/>
-            <a:ext cx="8761413" cy="706964"/>
-          </a:xfrm>
-        </p:spPr>
-        <p:txBody>
-          <a:bodyPr/>
-          <a:lstStyle/>
-          <a:p>
-            <a:r>
-              <a:rPr lang="en-IN" dirty="0" err="1"/>
-              <a:t>Spirng</a:t>
-            </a:r>
-            <a:r>
-              <a:rPr lang="en-IN" dirty="0"/>
-              <a:t> boot Interview questions</a:t>
-            </a:r>
-          </a:p>
-        </p:txBody>
-      </p:sp>
-      <p:sp>
-        <p:nvSpPr>
-          <p:cNvPr id="3" name="Content Placeholder 2">
-            <a:extLst>
-              <a:ext uri="{FF2B5EF4-FFF2-40B4-BE49-F238E27FC236}">
-                <a16:creationId xmlns:a16="http://schemas.microsoft.com/office/drawing/2014/main" id="{583D117D-E1AC-D803-ACFC-97601099D341}"/>
-              </a:ext>
-            </a:extLst>
-          </p:cNvPr>
-          <p:cNvSpPr>
-            <a:spLocks noGrp="1"/>
-          </p:cNvSpPr>
-          <p:nvPr>
-            <p:ph idx="1"/>
-          </p:nvPr>
-        </p:nvSpPr>
-        <p:spPr>
-          <a:xfrm>
-            <a:off x="1122830" y="2235752"/>
-            <a:ext cx="8825659" cy="3648580"/>
-          </a:xfrm>
-        </p:spPr>
-        <p:txBody>
-          <a:bodyPr>
-            <a:normAutofit/>
-          </a:bodyPr>
-          <a:lstStyle/>
-          <a:p>
-            <a:pPr>
-              <a:buFont typeface="Wingdings" panose="05000000000000000000" pitchFamily="2" charset="2"/>
-              <a:buChar char="q"/>
-            </a:pPr>
-            <a:r>
-              <a:rPr lang="en-IN" sz="1400" dirty="0">
-                <a:solidFill>
-                  <a:schemeClr val="tx1"/>
-                </a:solidFill>
-                <a:latin typeface="Cambria" panose="02040503050406030204" pitchFamily="18" charset="0"/>
-                <a:ea typeface="Cambria" panose="02040503050406030204" pitchFamily="18" charset="0"/>
-              </a:rPr>
-              <a:t>What is entity Life Cycle?</a:t>
-            </a:r>
-          </a:p>
-          <a:p>
-            <a:pPr>
-              <a:buFont typeface="Wingdings" panose="05000000000000000000" pitchFamily="2" charset="2"/>
-              <a:buChar char="q"/>
-            </a:pPr>
-            <a:r>
-              <a:rPr lang="en-IN" sz="1400" dirty="0">
-                <a:solidFill>
-                  <a:schemeClr val="tx1"/>
-                </a:solidFill>
-                <a:latin typeface="Cambria" panose="02040503050406030204" pitchFamily="18" charset="0"/>
-                <a:ea typeface="Cambria" panose="02040503050406030204" pitchFamily="18" charset="0"/>
-              </a:rPr>
-              <a:t>What is ORM explain in spring boot?</a:t>
-            </a:r>
-          </a:p>
-          <a:p>
-            <a:pPr>
-              <a:buFont typeface="Wingdings" panose="05000000000000000000" pitchFamily="2" charset="2"/>
-              <a:buChar char="q"/>
-            </a:pPr>
-            <a:r>
-              <a:rPr lang="en-IN" sz="1400" dirty="0">
-                <a:solidFill>
-                  <a:schemeClr val="tx1"/>
-                </a:solidFill>
-                <a:latin typeface="Cambria" panose="02040503050406030204" pitchFamily="18" charset="0"/>
-                <a:ea typeface="Cambria" panose="02040503050406030204" pitchFamily="18" charset="0"/>
-              </a:rPr>
-              <a:t>Explain the flow how Entity store into database?</a:t>
-            </a:r>
-          </a:p>
-          <a:p>
-            <a:pPr>
-              <a:buFont typeface="Wingdings" panose="05000000000000000000" pitchFamily="2" charset="2"/>
-              <a:buChar char="q"/>
-            </a:pPr>
-            <a:r>
-              <a:rPr lang="en-IN" sz="1400" dirty="0">
-                <a:solidFill>
-                  <a:schemeClr val="tx1"/>
-                </a:solidFill>
-                <a:latin typeface="Cambria" panose="02040503050406030204" pitchFamily="18" charset="0"/>
-                <a:ea typeface="Cambria" panose="02040503050406030204" pitchFamily="18" charset="0"/>
-              </a:rPr>
-              <a:t>What is Dynamic bean initialization?</a:t>
-            </a:r>
-          </a:p>
-          <a:p>
-            <a:pPr>
-              <a:buFont typeface="Wingdings" panose="05000000000000000000" pitchFamily="2" charset="2"/>
-              <a:buChar char="q"/>
-            </a:pPr>
-            <a:r>
-              <a:rPr lang="en-IN" sz="1400" dirty="0">
-                <a:solidFill>
-                  <a:schemeClr val="tx1"/>
-                </a:solidFill>
-                <a:latin typeface="Cambria" panose="02040503050406030204" pitchFamily="18" charset="0"/>
-                <a:ea typeface="Cambria" panose="02040503050406030204" pitchFamily="18" charset="0"/>
-              </a:rPr>
-              <a:t>Explain what is Beans scopes and explain Singleton and proto?</a:t>
-            </a:r>
-          </a:p>
-          <a:p>
-            <a:pPr>
-              <a:buFont typeface="Wingdings" panose="05000000000000000000" pitchFamily="2" charset="2"/>
-              <a:buChar char="q"/>
-            </a:pPr>
-            <a:r>
-              <a:rPr lang="en-IN" sz="1400" dirty="0">
-                <a:solidFill>
-                  <a:schemeClr val="tx1"/>
-                </a:solidFill>
-                <a:latin typeface="Cambria" panose="02040503050406030204" pitchFamily="18" charset="0"/>
-                <a:ea typeface="Cambria" panose="02040503050406030204" pitchFamily="18" charset="0"/>
-              </a:rPr>
-              <a:t>What is profile, AOP, Transactional, Async, interceptor and Filters?</a:t>
-            </a:r>
-          </a:p>
-          <a:p>
-            <a:pPr>
-              <a:buFont typeface="Wingdings" panose="05000000000000000000" pitchFamily="2" charset="2"/>
-              <a:buChar char="q"/>
-            </a:pPr>
-            <a:r>
-              <a:rPr lang="en-IN" sz="1400" dirty="0">
-                <a:solidFill>
-                  <a:schemeClr val="tx1"/>
-                </a:solidFill>
-                <a:latin typeface="Cambria" panose="02040503050406030204" pitchFamily="18" charset="0"/>
-                <a:ea typeface="Cambria" panose="02040503050406030204" pitchFamily="18" charset="0"/>
-              </a:rPr>
-              <a:t>Explain spring security workflow?</a:t>
-            </a:r>
-          </a:p>
-          <a:p>
-            <a:pPr>
-              <a:buFont typeface="Wingdings" panose="05000000000000000000" pitchFamily="2" charset="2"/>
-              <a:buChar char="q"/>
-            </a:pPr>
-            <a:r>
-              <a:rPr lang="en-IN" sz="1400" dirty="0">
-                <a:solidFill>
-                  <a:schemeClr val="tx1"/>
-                </a:solidFill>
-                <a:latin typeface="Cambria" panose="02040503050406030204" pitchFamily="18" charset="0"/>
-                <a:ea typeface="Cambria" panose="02040503050406030204" pitchFamily="18" charset="0"/>
-              </a:rPr>
-              <a:t>Explain types of attacks? – </a:t>
-            </a:r>
-          </a:p>
-          <a:p>
-            <a:pPr>
-              <a:buFont typeface="Wingdings" panose="05000000000000000000" pitchFamily="2" charset="2"/>
-              <a:buChar char="q"/>
-            </a:pPr>
-            <a:r>
-              <a:rPr lang="en-IN" sz="1400" dirty="0">
-                <a:solidFill>
-                  <a:schemeClr val="tx1"/>
-                </a:solidFill>
-                <a:latin typeface="Cambria" panose="02040503050406030204" pitchFamily="18" charset="0"/>
-                <a:ea typeface="Cambria" panose="02040503050406030204" pitchFamily="18" charset="0"/>
-              </a:rPr>
-              <a:t>Microservices and its definitions?</a:t>
-            </a:r>
-          </a:p>
-          <a:p>
-            <a:pPr>
-              <a:buFont typeface="Wingdings" panose="05000000000000000000" pitchFamily="2" charset="2"/>
-              <a:buChar char="q"/>
-            </a:pPr>
-            <a:r>
-              <a:rPr lang="en-IN" sz="1400" dirty="0">
-                <a:solidFill>
-                  <a:schemeClr val="tx1"/>
-                </a:solidFill>
-                <a:latin typeface="Cambria" panose="02040503050406030204" pitchFamily="18" charset="0"/>
-                <a:ea typeface="Cambria" panose="02040503050406030204" pitchFamily="18" charset="0"/>
-              </a:rPr>
-              <a:t>Types of attack In spring boot?</a:t>
-            </a:r>
-          </a:p>
-          <a:p>
-            <a:pPr>
-              <a:buFont typeface="Wingdings" panose="05000000000000000000" pitchFamily="2" charset="2"/>
-              <a:buChar char="q"/>
-            </a:pPr>
-            <a:endParaRPr lang="en-IN" sz="1400" dirty="0">
-              <a:solidFill>
-                <a:schemeClr val="tx1"/>
-              </a:solidFill>
-              <a:latin typeface="Cambria" panose="02040503050406030204" pitchFamily="18" charset="0"/>
-              <a:ea typeface="Cambria" panose="02040503050406030204" pitchFamily="18" charset="0"/>
-            </a:endParaRPr>
-          </a:p>
-          <a:p>
-            <a:pPr>
-              <a:buFont typeface="Wingdings" panose="05000000000000000000" pitchFamily="2" charset="2"/>
-              <a:buChar char="q"/>
-            </a:pPr>
-            <a:endParaRPr lang="en-IN" sz="1400" dirty="0">
-              <a:solidFill>
-                <a:schemeClr val="tx1"/>
-              </a:solidFill>
-              <a:latin typeface="Cambria" panose="02040503050406030204" pitchFamily="18" charset="0"/>
-              <a:ea typeface="Cambria" panose="02040503050406030204" pitchFamily="18" charset="0"/>
-            </a:endParaRPr>
-          </a:p>
-        </p:txBody>
-      </p:sp>
-    </p:spTree>
-    <p:extLst>
-      <p:ext uri="{BB962C8B-B14F-4D97-AF65-F5344CB8AC3E}">
-        <p14:creationId xmlns:p14="http://schemas.microsoft.com/office/powerpoint/2010/main" val="2750701299"/>
       </p:ext>
     </p:extLst>
   </p:cSld>
